--- a/slides/mrds1-g0.pptx
+++ b/slides/mrds1-g0.pptx
@@ -18,7 +18,7 @@
     <p:sldId id="266" r:id="rId6"/>
     <p:sldId id="269" r:id="rId7"/>
     <p:sldId id="270" r:id="rId8"/>
-    <p:sldId id="302" r:id="rId9"/>
+    <p:sldId id="329" r:id="rId9"/>
     <p:sldId id="325" r:id="rId10"/>
     <p:sldId id="286" r:id="rId11"/>
     <p:sldId id="287" r:id="rId12"/>
@@ -198,6 +198,10 @@
     </p:ext>
   </p:extLst>
 </p:presentation>
+</file>
+
+<file path=ppt/revisionInfo.xml><?xml version="1.0" encoding="utf-8"?>
+<p1510:revInfo xmlns:a="http://schemas.openxmlformats.org/drawingml/2006/main" xmlns:r="http://schemas.openxmlformats.org/officeDocument/2006/relationships" xmlns:p1510="http://schemas.microsoft.com/office/powerpoint/2015/10/main"/>
 </file>
 
 <file path=ppt/handoutMasters/handoutMaster1.xml><?xml version="1.0" encoding="utf-8"?>
@@ -1137,7 +1141,7 @@
           <a:lstStyle/>
           <a:p>
             <a:r>
-              <a:rPr lang="en-US" smtClean="0"/>
+              <a:rPr lang="en-US"/>
               <a:t>Click to edit Master title style</a:t>
             </a:r>
             <a:endParaRPr lang="en-GB"/>
@@ -1202,7 +1206,7 @@
           </a:lstStyle>
           <a:p>
             <a:r>
-              <a:rPr lang="en-US" smtClean="0"/>
+              <a:rPr lang="en-US"/>
               <a:t>Click to edit Master subtitle style</a:t>
             </a:r>
             <a:endParaRPr lang="en-GB"/>
@@ -1341,7 +1345,7 @@
           <a:lstStyle/>
           <a:p>
             <a:r>
-              <a:rPr lang="en-US" smtClean="0"/>
+              <a:rPr lang="en-US"/>
               <a:t>Click to edit Master title style</a:t>
             </a:r>
             <a:endParaRPr lang="en-GB"/>
@@ -1365,35 +1369,35 @@
           <a:p>
             <a:pPr lvl="0"/>
             <a:r>
-              <a:rPr lang="en-US" smtClean="0"/>
+              <a:rPr lang="en-US"/>
               <a:t>Click to edit Master text styles</a:t>
             </a:r>
           </a:p>
           <a:p>
             <a:pPr lvl="1"/>
             <a:r>
-              <a:rPr lang="en-US" smtClean="0"/>
+              <a:rPr lang="en-US"/>
               <a:t>Second level</a:t>
             </a:r>
           </a:p>
           <a:p>
             <a:pPr lvl="2"/>
             <a:r>
-              <a:rPr lang="en-US" smtClean="0"/>
+              <a:rPr lang="en-US"/>
               <a:t>Third level</a:t>
             </a:r>
           </a:p>
           <a:p>
             <a:pPr lvl="3"/>
             <a:r>
-              <a:rPr lang="en-US" smtClean="0"/>
+              <a:rPr lang="en-US"/>
               <a:t>Fourth level</a:t>
             </a:r>
           </a:p>
           <a:p>
             <a:pPr lvl="4"/>
             <a:r>
-              <a:rPr lang="en-US" smtClean="0"/>
+              <a:rPr lang="en-US"/>
               <a:t>Fifth level</a:t>
             </a:r>
             <a:endParaRPr lang="en-GB"/>
@@ -1537,7 +1541,7 @@
           <a:lstStyle/>
           <a:p>
             <a:r>
-              <a:rPr lang="en-US" smtClean="0"/>
+              <a:rPr lang="en-US"/>
               <a:t>Click to edit Master title style</a:t>
             </a:r>
             <a:endParaRPr lang="en-GB"/>
@@ -1566,35 +1570,35 @@
           <a:p>
             <a:pPr lvl="0"/>
             <a:r>
-              <a:rPr lang="en-US" smtClean="0"/>
+              <a:rPr lang="en-US"/>
               <a:t>Click to edit Master text styles</a:t>
             </a:r>
           </a:p>
           <a:p>
             <a:pPr lvl="1"/>
             <a:r>
-              <a:rPr lang="en-US" smtClean="0"/>
+              <a:rPr lang="en-US"/>
               <a:t>Second level</a:t>
             </a:r>
           </a:p>
           <a:p>
             <a:pPr lvl="2"/>
             <a:r>
-              <a:rPr lang="en-US" smtClean="0"/>
+              <a:rPr lang="en-US"/>
               <a:t>Third level</a:t>
             </a:r>
           </a:p>
           <a:p>
             <a:pPr lvl="3"/>
             <a:r>
-              <a:rPr lang="en-US" smtClean="0"/>
+              <a:rPr lang="en-US"/>
               <a:t>Fourth level</a:t>
             </a:r>
           </a:p>
           <a:p>
             <a:pPr lvl="4"/>
             <a:r>
-              <a:rPr lang="en-US" smtClean="0"/>
+              <a:rPr lang="en-US"/>
               <a:t>Fifth level</a:t>
             </a:r>
             <a:endParaRPr lang="en-GB"/>
@@ -1733,7 +1737,7 @@
           <a:lstStyle/>
           <a:p>
             <a:r>
-              <a:rPr lang="en-US" smtClean="0"/>
+              <a:rPr lang="en-US"/>
               <a:t>Click to edit Master title style</a:t>
             </a:r>
             <a:endParaRPr lang="en-GB"/>
@@ -1757,35 +1761,35 @@
           <a:p>
             <a:pPr lvl="0"/>
             <a:r>
-              <a:rPr lang="en-US" smtClean="0"/>
+              <a:rPr lang="en-US"/>
               <a:t>Click to edit Master text styles</a:t>
             </a:r>
           </a:p>
           <a:p>
             <a:pPr lvl="1"/>
             <a:r>
-              <a:rPr lang="en-US" smtClean="0"/>
+              <a:rPr lang="en-US"/>
               <a:t>Second level</a:t>
             </a:r>
           </a:p>
           <a:p>
             <a:pPr lvl="2"/>
             <a:r>
-              <a:rPr lang="en-US" smtClean="0"/>
+              <a:rPr lang="en-US"/>
               <a:t>Third level</a:t>
             </a:r>
           </a:p>
           <a:p>
             <a:pPr lvl="3"/>
             <a:r>
-              <a:rPr lang="en-US" smtClean="0"/>
+              <a:rPr lang="en-US"/>
               <a:t>Fourth level</a:t>
             </a:r>
           </a:p>
           <a:p>
             <a:pPr lvl="4"/>
             <a:r>
-              <a:rPr lang="en-US" smtClean="0"/>
+              <a:rPr lang="en-US"/>
               <a:t>Fifth level</a:t>
             </a:r>
             <a:endParaRPr lang="en-GB"/>
@@ -1933,7 +1937,7 @@
           </a:lstStyle>
           <a:p>
             <a:r>
-              <a:rPr lang="en-US" smtClean="0"/>
+              <a:rPr lang="en-US"/>
               <a:t>Click to edit Master title style</a:t>
             </a:r>
             <a:endParaRPr lang="en-GB"/>
@@ -1999,7 +2003,7 @@
           <a:p>
             <a:pPr lvl="0"/>
             <a:r>
-              <a:rPr lang="en-US" smtClean="0"/>
+              <a:rPr lang="en-US"/>
               <a:t>Click to edit Master text styles</a:t>
             </a:r>
           </a:p>
@@ -2137,7 +2141,7 @@
           <a:lstStyle/>
           <a:p>
             <a:r>
-              <a:rPr lang="en-US" smtClean="0"/>
+              <a:rPr lang="en-US"/>
               <a:t>Click to edit Master title style</a:t>
             </a:r>
             <a:endParaRPr lang="en-GB"/>
@@ -2194,35 +2198,35 @@
           <a:p>
             <a:pPr lvl="0"/>
             <a:r>
-              <a:rPr lang="en-US" smtClean="0"/>
+              <a:rPr lang="en-US"/>
               <a:t>Click to edit Master text styles</a:t>
             </a:r>
           </a:p>
           <a:p>
             <a:pPr lvl="1"/>
             <a:r>
-              <a:rPr lang="en-US" smtClean="0"/>
+              <a:rPr lang="en-US"/>
               <a:t>Second level</a:t>
             </a:r>
           </a:p>
           <a:p>
             <a:pPr lvl="2"/>
             <a:r>
-              <a:rPr lang="en-US" smtClean="0"/>
+              <a:rPr lang="en-US"/>
               <a:t>Third level</a:t>
             </a:r>
           </a:p>
           <a:p>
             <a:pPr lvl="3"/>
             <a:r>
-              <a:rPr lang="en-US" smtClean="0"/>
+              <a:rPr lang="en-US"/>
               <a:t>Fourth level</a:t>
             </a:r>
           </a:p>
           <a:p>
             <a:pPr lvl="4"/>
             <a:r>
-              <a:rPr lang="en-US" smtClean="0"/>
+              <a:rPr lang="en-US"/>
               <a:t>Fifth level</a:t>
             </a:r>
             <a:endParaRPr lang="en-GB"/>
@@ -2279,35 +2283,35 @@
           <a:p>
             <a:pPr lvl="0"/>
             <a:r>
-              <a:rPr lang="en-US" smtClean="0"/>
+              <a:rPr lang="en-US"/>
               <a:t>Click to edit Master text styles</a:t>
             </a:r>
           </a:p>
           <a:p>
             <a:pPr lvl="1"/>
             <a:r>
-              <a:rPr lang="en-US" smtClean="0"/>
+              <a:rPr lang="en-US"/>
               <a:t>Second level</a:t>
             </a:r>
           </a:p>
           <a:p>
             <a:pPr lvl="2"/>
             <a:r>
-              <a:rPr lang="en-US" smtClean="0"/>
+              <a:rPr lang="en-US"/>
               <a:t>Third level</a:t>
             </a:r>
           </a:p>
           <a:p>
             <a:pPr lvl="3"/>
             <a:r>
-              <a:rPr lang="en-US" smtClean="0"/>
+              <a:rPr lang="en-US"/>
               <a:t>Fourth level</a:t>
             </a:r>
           </a:p>
           <a:p>
             <a:pPr lvl="4"/>
             <a:r>
-              <a:rPr lang="en-US" smtClean="0"/>
+              <a:rPr lang="en-US"/>
               <a:t>Fifth level</a:t>
             </a:r>
             <a:endParaRPr lang="en-GB"/>
@@ -2455,7 +2459,7 @@
           </a:lstStyle>
           <a:p>
             <a:r>
-              <a:rPr lang="en-US" smtClean="0"/>
+              <a:rPr lang="en-US"/>
               <a:t>Click to edit Master title style</a:t>
             </a:r>
             <a:endParaRPr lang="en-GB"/>
@@ -2521,7 +2525,7 @@
           <a:p>
             <a:pPr lvl="0"/>
             <a:r>
-              <a:rPr lang="en-US" smtClean="0"/>
+              <a:rPr lang="en-US"/>
               <a:t>Click to edit Master text styles</a:t>
             </a:r>
           </a:p>
@@ -2577,35 +2581,35 @@
           <a:p>
             <a:pPr lvl="0"/>
             <a:r>
-              <a:rPr lang="en-US" smtClean="0"/>
+              <a:rPr lang="en-US"/>
               <a:t>Click to edit Master text styles</a:t>
             </a:r>
           </a:p>
           <a:p>
             <a:pPr lvl="1"/>
             <a:r>
-              <a:rPr lang="en-US" smtClean="0"/>
+              <a:rPr lang="en-US"/>
               <a:t>Second level</a:t>
             </a:r>
           </a:p>
           <a:p>
             <a:pPr lvl="2"/>
             <a:r>
-              <a:rPr lang="en-US" smtClean="0"/>
+              <a:rPr lang="en-US"/>
               <a:t>Third level</a:t>
             </a:r>
           </a:p>
           <a:p>
             <a:pPr lvl="3"/>
             <a:r>
-              <a:rPr lang="en-US" smtClean="0"/>
+              <a:rPr lang="en-US"/>
               <a:t>Fourth level</a:t>
             </a:r>
           </a:p>
           <a:p>
             <a:pPr lvl="4"/>
             <a:r>
-              <a:rPr lang="en-US" smtClean="0"/>
+              <a:rPr lang="en-US"/>
               <a:t>Fifth level</a:t>
             </a:r>
             <a:endParaRPr lang="en-GB"/>
@@ -2671,7 +2675,7 @@
           <a:p>
             <a:pPr lvl="0"/>
             <a:r>
-              <a:rPr lang="en-US" smtClean="0"/>
+              <a:rPr lang="en-US"/>
               <a:t>Click to edit Master text styles</a:t>
             </a:r>
           </a:p>
@@ -2727,35 +2731,35 @@
           <a:p>
             <a:pPr lvl="0"/>
             <a:r>
-              <a:rPr lang="en-US" smtClean="0"/>
+              <a:rPr lang="en-US"/>
               <a:t>Click to edit Master text styles</a:t>
             </a:r>
           </a:p>
           <a:p>
             <a:pPr lvl="1"/>
             <a:r>
-              <a:rPr lang="en-US" smtClean="0"/>
+              <a:rPr lang="en-US"/>
               <a:t>Second level</a:t>
             </a:r>
           </a:p>
           <a:p>
             <a:pPr lvl="2"/>
             <a:r>
-              <a:rPr lang="en-US" smtClean="0"/>
+              <a:rPr lang="en-US"/>
               <a:t>Third level</a:t>
             </a:r>
           </a:p>
           <a:p>
             <a:pPr lvl="3"/>
             <a:r>
-              <a:rPr lang="en-US" smtClean="0"/>
+              <a:rPr lang="en-US"/>
               <a:t>Fourth level</a:t>
             </a:r>
           </a:p>
           <a:p>
             <a:pPr lvl="4"/>
             <a:r>
-              <a:rPr lang="en-US" smtClean="0"/>
+              <a:rPr lang="en-US"/>
               <a:t>Fifth level</a:t>
             </a:r>
             <a:endParaRPr lang="en-GB"/>
@@ -2894,7 +2898,7 @@
           <a:lstStyle/>
           <a:p>
             <a:r>
-              <a:rPr lang="en-US" smtClean="0"/>
+              <a:rPr lang="en-US"/>
               <a:t>Click to edit Master title style</a:t>
             </a:r>
             <a:endParaRPr lang="en-GB"/>
@@ -3158,7 +3162,7 @@
           </a:lstStyle>
           <a:p>
             <a:r>
-              <a:rPr lang="en-US" smtClean="0"/>
+              <a:rPr lang="en-US"/>
               <a:t>Click to edit Master title style</a:t>
             </a:r>
             <a:endParaRPr lang="en-GB"/>
@@ -3215,35 +3219,35 @@
           <a:p>
             <a:pPr lvl="0"/>
             <a:r>
-              <a:rPr lang="en-US" smtClean="0"/>
+              <a:rPr lang="en-US"/>
               <a:t>Click to edit Master text styles</a:t>
             </a:r>
           </a:p>
           <a:p>
             <a:pPr lvl="1"/>
             <a:r>
-              <a:rPr lang="en-US" smtClean="0"/>
+              <a:rPr lang="en-US"/>
               <a:t>Second level</a:t>
             </a:r>
           </a:p>
           <a:p>
             <a:pPr lvl="2"/>
             <a:r>
-              <a:rPr lang="en-US" smtClean="0"/>
+              <a:rPr lang="en-US"/>
               <a:t>Third level</a:t>
             </a:r>
           </a:p>
           <a:p>
             <a:pPr lvl="3"/>
             <a:r>
-              <a:rPr lang="en-US" smtClean="0"/>
+              <a:rPr lang="en-US"/>
               <a:t>Fourth level</a:t>
             </a:r>
           </a:p>
           <a:p>
             <a:pPr lvl="4"/>
             <a:r>
-              <a:rPr lang="en-US" smtClean="0"/>
+              <a:rPr lang="en-US"/>
               <a:t>Fifth level</a:t>
             </a:r>
             <a:endParaRPr lang="en-GB"/>
@@ -3309,7 +3313,7 @@
           <a:p>
             <a:pPr lvl="0"/>
             <a:r>
-              <a:rPr lang="en-US" smtClean="0"/>
+              <a:rPr lang="en-US"/>
               <a:t>Click to edit Master text styles</a:t>
             </a:r>
           </a:p>
@@ -3456,7 +3460,7 @@
           </a:lstStyle>
           <a:p>
             <a:r>
-              <a:rPr lang="en-US" smtClean="0"/>
+              <a:rPr lang="en-US"/>
               <a:t>Click to edit Master title style</a:t>
             </a:r>
             <a:endParaRPr lang="en-GB"/>
@@ -3521,7 +3525,7 @@
           </a:lstStyle>
           <a:p>
             <a:pPr lvl="0"/>
-            <a:endParaRPr lang="en-GB" noProof="0" smtClean="0"/>
+            <a:endParaRPr lang="en-GB" noProof="0"/>
           </a:p>
         </p:txBody>
       </p:sp>
@@ -3584,7 +3588,7 @@
           <a:p>
             <a:pPr lvl="0"/>
             <a:r>
-              <a:rPr lang="en-US" smtClean="0"/>
+              <a:rPr lang="en-US"/>
               <a:t>Click to edit Master text styles</a:t>
             </a:r>
           </a:p>
@@ -4662,21 +4666,7 @@
                 <a:ea typeface="+mn-ea"/>
                 <a:cs typeface="Arial" pitchFamily="34" charset="0"/>
               </a:rPr>
-              <a:t>(Methods for incomplete detection </a:t>
-            </a:r>
-            <a:r>
-              <a:rPr lang="en-GB" sz="1800" dirty="0" smtClean="0">
-                <a:ea typeface="+mn-ea"/>
-                <a:cs typeface="Arial" pitchFamily="34" charset="0"/>
-              </a:rPr>
-              <a:t>at distance </a:t>
-            </a:r>
-            <a:r>
-              <a:rPr lang="en-GB" sz="1800" dirty="0">
-                <a:ea typeface="+mn-ea"/>
-                <a:cs typeface="Arial" pitchFamily="34" charset="0"/>
-              </a:rPr>
-              <a:t>zero by </a:t>
+              <a:t>(Methods for incomplete detection at distance zero by </a:t>
             </a:r>
             <a:r>
               <a:rPr lang="en-GB" sz="1800" dirty="0" err="1">
@@ -4739,21 +4729,7 @@
                 <a:ea typeface="+mn-ea"/>
                 <a:cs typeface="Arial" pitchFamily="34" charset="0"/>
               </a:rPr>
-              <a:t>, C. and Paxton, C. 2006. </a:t>
-            </a:r>
-            <a:r>
-              <a:rPr lang="en-GB" sz="1800" dirty="0" smtClean="0">
-                <a:ea typeface="+mn-ea"/>
-                <a:cs typeface="Arial" pitchFamily="34" charset="0"/>
-              </a:rPr>
-              <a:t>  </a:t>
-            </a:r>
-            <a:r>
-              <a:rPr lang="en-GB" sz="1800" dirty="0">
-                <a:ea typeface="+mn-ea"/>
-                <a:cs typeface="Arial" pitchFamily="34" charset="0"/>
-              </a:rPr>
-              <a:t>Accommodating </a:t>
+              <a:t>, C. and Paxton, C. 2006.   Accommodating </a:t>
             </a:r>
             <a:r>
               <a:rPr lang="en-GB" sz="1800" dirty="0" err="1">
@@ -4767,21 +4743,7 @@
                 <a:ea typeface="+mn-ea"/>
                 <a:cs typeface="Arial" pitchFamily="34" charset="0"/>
               </a:rPr>
-              <a:t> heterogeneity in double-observer distance </a:t>
-            </a:r>
-            <a:r>
-              <a:rPr lang="en-GB" sz="1800" dirty="0" smtClean="0">
-                <a:ea typeface="+mn-ea"/>
-                <a:cs typeface="Arial" pitchFamily="34" charset="0"/>
-              </a:rPr>
-              <a:t>sampling </a:t>
-            </a:r>
-            <a:r>
-              <a:rPr lang="en-GB" sz="1800" dirty="0">
-                <a:ea typeface="+mn-ea"/>
-                <a:cs typeface="Arial" pitchFamily="34" charset="0"/>
-              </a:rPr>
-              <a:t>surveys. </a:t>
+              <a:t> heterogeneity in double-observer distance sampling surveys. </a:t>
             </a:r>
             <a:r>
               <a:rPr lang="en-GB" sz="1800" i="1" dirty="0">
@@ -4844,21 +4806,7 @@
                 <a:ea typeface="+mn-ea"/>
                 <a:cs typeface="Arial" pitchFamily="34" charset="0"/>
               </a:rPr>
-              <a:t>, J.L. and Borchers, D.L. 2009. Double-observer </a:t>
-            </a:r>
-            <a:r>
-              <a:rPr lang="en-GB" sz="1800" dirty="0" smtClean="0">
-                <a:ea typeface="+mn-ea"/>
-                <a:cs typeface="Arial" pitchFamily="34" charset="0"/>
-              </a:rPr>
-              <a:t>line </a:t>
-            </a:r>
-            <a:r>
-              <a:rPr lang="en-GB" sz="1800" dirty="0">
-                <a:ea typeface="+mn-ea"/>
-                <a:cs typeface="Arial" pitchFamily="34" charset="0"/>
-              </a:rPr>
-              <a:t>transect methods: levels of independence. </a:t>
+              <a:t>, J.L. and Borchers, D.L. 2009. Double-observer line transect methods: levels of independence. </a:t>
             </a:r>
             <a:r>
               <a:rPr lang="en-GB" sz="1800" i="1" dirty="0">
@@ -4914,21 +4862,7 @@
                 <a:ea typeface="+mn-ea"/>
                 <a:cs typeface="Arial" pitchFamily="34" charset="0"/>
               </a:rPr>
-              <a:t>, J.L., Collier, B.A., Morrison, M.L. and Wilkins, R.N. 2011. </a:t>
-            </a:r>
-            <a:r>
-              <a:rPr lang="en-GB" sz="1800" dirty="0" smtClean="0">
-                <a:ea typeface="+mn-ea"/>
-                <a:cs typeface="Arial" pitchFamily="34" charset="0"/>
-              </a:rPr>
-              <a:t>Point-based </a:t>
-            </a:r>
-            <a:r>
-              <a:rPr lang="en-GB" sz="1800" dirty="0">
-                <a:ea typeface="+mn-ea"/>
-                <a:cs typeface="Arial" pitchFamily="34" charset="0"/>
-              </a:rPr>
-              <a:t>mark-recapture distance sampling. JABES </a:t>
+              <a:t>, J.L., Collier, B.A., Morrison, M.L. and Wilkins, R.N. 2011. Point-based mark-recapture distance sampling. JABES </a:t>
             </a:r>
             <a:r>
               <a:rPr lang="en-GB" sz="1800" b="1" dirty="0">
@@ -4942,14 +4876,7 @@
                 <a:ea typeface="+mn-ea"/>
                 <a:cs typeface="Arial" pitchFamily="34" charset="0"/>
               </a:rPr>
-              <a:t>: </a:t>
-            </a:r>
-            <a:r>
-              <a:rPr lang="en-GB" sz="1800" dirty="0" smtClean="0">
-                <a:ea typeface="+mn-ea"/>
-                <a:cs typeface="Arial" pitchFamily="34" charset="0"/>
-              </a:rPr>
-              <a:t>389-408</a:t>
+              <a:t>: 389-408</a:t>
             </a:r>
           </a:p>
           <a:p>
@@ -4990,7 +4917,7 @@
               <a:t>, D.L., Jenkins, K.J. and Marques, T.A.M. </a:t>
             </a:r>
             <a:r>
-              <a:rPr lang="en-GB" sz="1800" smtClean="0">
+              <a:rPr lang="en-GB" sz="1800">
                 <a:solidFill>
                   <a:schemeClr val="accent6"/>
                 </a:solidFill>
@@ -4998,20 +4925,12 @@
               <a:t>2014. </a:t>
             </a:r>
             <a:r>
-              <a:rPr lang="en-GB" sz="1800" dirty="0" smtClean="0">
+              <a:rPr lang="en-GB" sz="1800" dirty="0">
                 <a:solidFill>
                   <a:schemeClr val="accent6"/>
                 </a:solidFill>
               </a:rPr>
-              <a:t>Using </a:t>
-            </a:r>
-            <a:r>
-              <a:rPr lang="en-GB" sz="1800" dirty="0">
-                <a:solidFill>
-                  <a:schemeClr val="accent6"/>
-                </a:solidFill>
-              </a:rPr>
-              <a:t>mark-recapture distance sampling methods on line transect surveys. </a:t>
+              <a:t>Using mark-recapture distance sampling methods on line transect surveys. </a:t>
             </a:r>
             <a:r>
               <a:rPr lang="en-GB" sz="1800" i="1" dirty="0">
@@ -5060,13 +4979,6 @@
   <p:clrMapOvr>
     <a:masterClrMapping/>
   </p:clrMapOvr>
-  <p:timing>
-    <p:tnLst>
-      <p:par>
-        <p:cTn id="1" dur="indefinite" restart="never" nodeType="tmRoot"/>
-      </p:par>
-    </p:tnLst>
-  </p:timing>
 </p:sld>
 </file>
 
@@ -5116,7 +5028,7 @@
               <a:defRPr/>
             </a:pPr>
             <a:r>
-              <a:rPr lang="en-GB" altLang="en-US" u="sng" dirty="0" smtClean="0">
+              <a:rPr lang="en-GB" altLang="en-US" u="sng" dirty="0">
                 <a:latin typeface="Arial" pitchFamily="34" charset="0"/>
                 <a:ea typeface="ＭＳ Ｐゴシック" pitchFamily="34" charset="-128"/>
               </a:rPr>
@@ -5316,13 +5228,6 @@
   <p:clrMapOvr>
     <a:masterClrMapping/>
   </p:clrMapOvr>
-  <p:timing>
-    <p:tnLst>
-      <p:par>
-        <p:cTn id="1" dur="indefinite" restart="never" nodeType="tmRoot"/>
-      </p:par>
-    </p:tnLst>
-  </p:timing>
 </p:sld>
 </file>
 
@@ -5484,77 +5389,38 @@
               <a:rPr lang="en-GB" sz="2400" dirty="0">
                 <a:cs typeface="Arial" charset="0"/>
               </a:rPr>
-              <a:t> </a:t>
+              <a:t> and Lovell, 1998</a:t>
             </a:r>
             <a:r>
-              <a:rPr lang="en-GB" sz="2400" dirty="0" smtClean="0">
+              <a:rPr lang="en-GB" sz="2400">
                 <a:cs typeface="Arial" charset="0"/>
               </a:rPr>
-              <a:t>and Lovell</a:t>
+              <a:t>, Stevenson </a:t>
+            </a:r>
+            <a:r>
+              <a:rPr lang="en-GB" sz="2400" i="1" dirty="0">
+                <a:cs typeface="Arial" charset="0"/>
+              </a:rPr>
+              <a:t>et al</a:t>
             </a:r>
             <a:r>
               <a:rPr lang="en-GB" sz="2400" dirty="0">
                 <a:cs typeface="Arial" charset="0"/>
               </a:rPr>
-              <a:t>, </a:t>
-            </a:r>
-            <a:r>
-              <a:rPr lang="en-GB" sz="2400" dirty="0" smtClean="0">
-                <a:cs typeface="Arial" charset="0"/>
-              </a:rPr>
-              <a:t>1998, Borchers </a:t>
-            </a:r>
-            <a:r>
-              <a:rPr lang="en-GB" sz="2400" i="1" dirty="0" smtClean="0">
-                <a:cs typeface="Arial" charset="0"/>
-              </a:rPr>
-              <a:t>et al</a:t>
-            </a:r>
-            <a:r>
-              <a:rPr lang="en-GB" sz="2400" dirty="0" smtClean="0">
-                <a:cs typeface="Arial" charset="0"/>
-              </a:rPr>
               <a:t>. </a:t>
             </a:r>
             <a:r>
-              <a:rPr lang="en-GB" sz="2400" i="1" dirty="0" smtClean="0">
+              <a:rPr lang="en-GB" sz="2400" i="1" dirty="0">
                 <a:cs typeface="Arial" charset="0"/>
               </a:rPr>
-              <a:t>in prep</a:t>
+              <a:t>submitted</a:t>
             </a:r>
             <a:r>
-              <a:rPr lang="en-GB" sz="2400" dirty="0" smtClean="0">
-                <a:cs typeface="Arial" charset="0"/>
-              </a:rPr>
-              <a:t>., Stevenson </a:t>
-            </a:r>
-            <a:r>
-              <a:rPr lang="en-GB" sz="2400" i="1" dirty="0" smtClean="0">
-                <a:cs typeface="Arial" charset="0"/>
-              </a:rPr>
-              <a:t>et al</a:t>
-            </a:r>
-            <a:r>
-              <a:rPr lang="en-GB" sz="2400" dirty="0" smtClean="0">
-                <a:cs typeface="Arial" charset="0"/>
-              </a:rPr>
-              <a:t>. </a:t>
-            </a:r>
-            <a:r>
-              <a:rPr lang="en-GB" sz="2400" i="1" dirty="0" smtClean="0">
-                <a:cs typeface="Arial" charset="0"/>
-              </a:rPr>
-              <a:t>in prep</a:t>
-            </a:r>
-            <a:r>
-              <a:rPr lang="en-GB" sz="2400" dirty="0" smtClean="0">
+              <a:rPr lang="en-GB" sz="2400" dirty="0">
                 <a:cs typeface="Arial" charset="0"/>
               </a:rPr>
               <a:t>)</a:t>
             </a:r>
-            <a:endParaRPr lang="en-GB" sz="2400" dirty="0">
-              <a:cs typeface="Arial" charset="0"/>
-            </a:endParaRPr>
           </a:p>
         </p:txBody>
       </p:sp>
@@ -5569,7 +5435,7 @@
         <p:spPr bwMode="auto">
           <a:xfrm>
             <a:off x="304798" y="4760912"/>
-            <a:ext cx="11510683" cy="1069975"/>
+            <a:ext cx="11510683" cy="2062103"/>
           </a:xfrm>
           <a:prstGeom prst="rect">
             <a:avLst/>
@@ -5722,16 +5588,32 @@
             </a:lvl9pPr>
           </a:lstStyle>
           <a:p>
+            <a:br>
+              <a:rPr lang="en-GB" sz="1600" dirty="0"/>
+            </a:br>
+            <a:endParaRPr lang="en-GB" sz="1600" dirty="0"/>
+          </a:p>
+          <a:p>
+            <a:r>
+              <a:rPr lang="en-GB" sz="1600" dirty="0"/>
+              <a:t>Stevenson, B.C., Borchers, D.L. and </a:t>
+            </a:r>
+            <a:r>
+              <a:rPr lang="en-GB" sz="1600" dirty="0" err="1"/>
+              <a:t>Fewster</a:t>
+            </a:r>
+            <a:r>
+              <a:rPr lang="en-GB" sz="1600" dirty="0"/>
+              <a:t>, R.M. Cluster capture-recapture to account for identification uncertainty on aerial surveys of animal populations. (under revision for Biometrics).</a:t>
+            </a:r>
+          </a:p>
+          <a:p>
             <a:pPr eaLnBrk="1" hangingPunct="1">
               <a:defRPr/>
             </a:pPr>
             <a:r>
-              <a:rPr lang="en-GB" sz="1600" dirty="0" err="1"/>
-              <a:t>Schweder</a:t>
-            </a:r>
-            <a:r>
               <a:rPr lang="en-GB" sz="1600" dirty="0"/>
-              <a:t>, T., Hagen, G., </a:t>
+              <a:t>Schweder, T., Hagen, G., </a:t>
             </a:r>
             <a:r>
               <a:rPr lang="en-GB" sz="1600" dirty="0" err="1"/>
@@ -5747,23 +5629,15 @@
             </a:r>
             <a:r>
               <a:rPr lang="en-GB" sz="1600" dirty="0"/>
-              <a:t>, I. 1996. Abundance estimation </a:t>
+              <a:t>, I. 1996. Abundance estimation of </a:t>
             </a:r>
             <a:r>
-              <a:rPr lang="en-GB" sz="1600" dirty="0" smtClean="0"/>
-              <a:t>of </a:t>
-            </a:r>
-            <a:r>
-              <a:rPr lang="en-GB" sz="1600" dirty="0" err="1" smtClean="0"/>
+              <a:rPr lang="en-GB" sz="1600" dirty="0" err="1"/>
               <a:t>northeastern</a:t>
             </a:r>
             <a:r>
-              <a:rPr lang="en-GB" sz="1600" dirty="0" smtClean="0"/>
-              <a:t> </a:t>
-            </a:r>
-            <a:r>
               <a:rPr lang="en-GB" sz="1600" dirty="0"/>
-              <a:t>Atlantic </a:t>
+              <a:t> Atlantic </a:t>
             </a:r>
             <a:r>
               <a:rPr lang="en-GB" sz="1600" dirty="0" err="1"/>
@@ -5816,15 +5690,7 @@
             </a:r>
             <a:r>
               <a:rPr lang="en-GB" sz="1600" dirty="0"/>
-              <a:t>, A. and Lovell, P.1998. Using aircraft in tandem formation to estimate abundance </a:t>
-            </a:r>
-            <a:r>
-              <a:rPr lang="en-GB" sz="1600" dirty="0" smtClean="0"/>
-              <a:t>of harbour </a:t>
-            </a:r>
-            <a:r>
-              <a:rPr lang="en-GB" sz="1600" dirty="0"/>
-              <a:t>porpoise. </a:t>
+              <a:t>, A. and Lovell, P.1998. Using aircraft in tandem formation to estimate abundance of harbour porpoise. </a:t>
             </a:r>
             <a:r>
               <a:rPr lang="en-GB" sz="1600" i="1" dirty="0"/>
@@ -5882,13 +5748,6 @@
   <p:clrMapOvr>
     <a:masterClrMapping/>
   </p:clrMapOvr>
-  <p:timing>
-    <p:tnLst>
-      <p:par>
-        <p:cTn id="1" dur="indefinite" restart="never" nodeType="tmRoot"/>
-      </p:par>
-    </p:tnLst>
-  </p:timing>
 </p:sld>
 </file>
 
@@ -5933,16 +5792,10 @@
               <a:defRPr/>
             </a:pPr>
             <a:r>
-              <a:rPr lang="en-GB" sz="3200" dirty="0" smtClean="0">
-                <a:cs typeface="+mj-cs"/>
-              </a:rPr>
-              <a:t>Probabilistic Duplicate </a:t>
-            </a:r>
-            <a:r>
               <a:rPr lang="en-GB" sz="3200" dirty="0">
                 <a:cs typeface="+mj-cs"/>
               </a:rPr>
-              <a:t>Identification</a:t>
+              <a:t>Probabilistic Duplicate Identification</a:t>
             </a:r>
             <a:endParaRPr lang="en-US" sz="3200" dirty="0">
               <a:cs typeface="+mj-cs"/>
@@ -6112,13 +5965,6 @@
   <p:clrMapOvr>
     <a:masterClrMapping/>
   </p:clrMapOvr>
-  <p:timing>
-    <p:tnLst>
-      <p:par>
-        <p:cTn id="1" dur="indefinite" restart="never" nodeType="tmRoot"/>
-      </p:par>
-    </p:tnLst>
-  </p:timing>
 </p:sld>
 </file>
 
@@ -6163,16 +6009,10 @@
               <a:defRPr/>
             </a:pPr>
             <a:r>
-              <a:rPr lang="en-GB" sz="3200" dirty="0" smtClean="0">
-                <a:cs typeface="+mj-cs"/>
-              </a:rPr>
-              <a:t>Probabilistic Duplicate </a:t>
-            </a:r>
-            <a:r>
               <a:rPr lang="en-GB" sz="3200" dirty="0">
                 <a:cs typeface="+mj-cs"/>
               </a:rPr>
-              <a:t>Identification</a:t>
+              <a:t>Probabilistic Duplicate Identification</a:t>
             </a:r>
             <a:endParaRPr lang="en-US" sz="3200" dirty="0">
               <a:cs typeface="+mj-cs"/>
@@ -6220,13 +6060,6 @@
   <p:clrMapOvr>
     <a:masterClrMapping/>
   </p:clrMapOvr>
-  <p:timing>
-    <p:tnLst>
-      <p:par>
-        <p:cTn id="1" dur="indefinite" restart="never" nodeType="tmRoot"/>
-      </p:par>
-    </p:tnLst>
-  </p:timing>
 </p:sld>
 </file>
 
@@ -6485,35 +6318,26 @@
               <a:rPr lang="en-US" sz="2400" dirty="0">
                 <a:cs typeface="+mn-cs"/>
               </a:rPr>
-              <a:t>: Need to be </a:t>
+              <a:t>: Need to be careful if animals in </a:t>
             </a:r>
             <a:r>
-              <a:rPr lang="en-US" sz="2400" dirty="0" smtClean="0">
-                <a:cs typeface="+mn-cs"/>
-              </a:rPr>
-              <a:t>careful if animals in </a:t>
-            </a:r>
-            <a:r>
-              <a:rPr lang="en-US" sz="2400" dirty="0" err="1" smtClean="0">
+              <a:rPr lang="en-US" sz="2400" dirty="0" err="1">
                 <a:cs typeface="+mn-cs"/>
               </a:rPr>
               <a:t>veiw</a:t>
             </a:r>
             <a:r>
-              <a:rPr lang="en-US" sz="2400" dirty="0" smtClean="0">
+              <a:rPr lang="en-US" sz="2400" dirty="0">
                 <a:cs typeface="+mn-cs"/>
               </a:rPr>
               <a:t> for more than very small fraction of their availability cycle time</a:t>
             </a:r>
             <a:r>
-              <a:rPr lang="en-GB" sz="2400" dirty="0" smtClean="0">
+              <a:rPr lang="en-GB" sz="2400" dirty="0">
                 <a:cs typeface="+mn-cs"/>
               </a:rPr>
               <a:t>.</a:t>
             </a:r>
-            <a:endParaRPr lang="en-GB" sz="2400" dirty="0">
-              <a:cs typeface="+mn-cs"/>
-            </a:endParaRPr>
           </a:p>
           <a:p>
             <a:pPr eaLnBrk="1" hangingPunct="1">
@@ -6530,13 +6354,6 @@
   <p:clrMapOvr>
     <a:masterClrMapping/>
   </p:clrMapOvr>
-  <p:timing>
-    <p:tnLst>
-      <p:par>
-        <p:cTn id="1" dur="indefinite" restart="never" nodeType="tmRoot"/>
-      </p:par>
-    </p:tnLst>
-  </p:timing>
 </p:sld>
 </file>
 
@@ -10555,10 +10372,9 @@
               <a:defRPr/>
             </a:pPr>
             <a:r>
-              <a:rPr lang="en-US" u="sng" dirty="0" smtClean="0"/>
+              <a:rPr lang="en-US" u="sng" dirty="0"/>
               <a:t>Full Independence</a:t>
             </a:r>
-            <a:endParaRPr lang="en-US" u="sng" dirty="0"/>
           </a:p>
         </p:txBody>
       </p:sp>
@@ -10719,10 +10535,9 @@
               <a:defRPr/>
             </a:pPr>
             <a:r>
-              <a:rPr lang="en-US" u="sng" dirty="0" smtClean="0"/>
+              <a:rPr lang="en-US" u="sng" dirty="0"/>
               <a:t>Point Independence</a:t>
             </a:r>
-            <a:endParaRPr lang="en-US" u="sng" dirty="0"/>
           </a:p>
         </p:txBody>
       </p:sp>
@@ -10851,7 +10666,7 @@
               </a:rPr>
               <a:t>Use it unless there is responsive movement (or other non-uniform distribution).</a:t>
             </a:r>
-            <a:endParaRPr lang="en-US" altLang="en-US" dirty="0" smtClean="0">
+            <a:endParaRPr lang="en-US" altLang="en-US" dirty="0">
               <a:latin typeface="Arial" pitchFamily="34" charset="0"/>
               <a:ea typeface="ＭＳ Ｐゴシック" pitchFamily="34" charset="-128"/>
             </a:endParaRPr>
@@ -10863,13 +10678,6 @@
   <p:clrMapOvr>
     <a:masterClrMapping/>
   </p:clrMapOvr>
-  <p:timing>
-    <p:tnLst>
-      <p:par>
-        <p:cTn id="1" dur="indefinite" restart="never" nodeType="tmRoot"/>
-      </p:par>
-    </p:tnLst>
-  </p:timing>
 </p:sld>
 </file>
 
@@ -10922,7 +10730,7 @@
             <a:graphicData uri="http://schemas.openxmlformats.org/presentationml/2006/ole">
               <mc:AlternateContent xmlns:mc="http://schemas.openxmlformats.org/markup-compatibility/2006">
                 <mc:Choice xmlns:v="urn:schemas-microsoft-com:vml" Requires="v">
-                  <p:oleObj spid="_x0000_s19483" name="Photo Editor Photo" r:id="rId3" imgW="4057143" imgH="2933333" progId="MSPhotoEd.3">
+                  <p:oleObj spid="_x0000_s19489" name="Photo Editor Photo" r:id="rId3" imgW="4057143" imgH="2933333" progId="MSPhotoEd.3">
                     <p:embed/>
                   </p:oleObj>
                 </mc:Choice>
@@ -11307,7 +11115,7 @@
           <a:graphicData uri="http://schemas.openxmlformats.org/presentationml/2006/ole">
             <mc:AlternateContent xmlns:mc="http://schemas.openxmlformats.org/markup-compatibility/2006">
               <mc:Choice xmlns:v="urn:schemas-microsoft-com:vml" Requires="v">
-                <p:oleObj spid="_x0000_s19484" name="Photo Editor Photo" r:id="rId5" imgW="2866667" imgH="2172003" progId="MSPhotoEd.3">
+                <p:oleObj spid="_x0000_s19490" name="Photo Editor Photo" r:id="rId5" imgW="2866667" imgH="2172003" progId="MSPhotoEd.3">
                   <p:embed/>
                 </p:oleObj>
               </mc:Choice>
@@ -13126,22 +12934,14 @@
               </a:rPr>
               <a:t>(0)&lt;1:</a:t>
             </a:r>
-            <a:r>
-              <a:rPr lang="en-US" altLang="en-US" smtClean="0">
-                <a:latin typeface="Arial" pitchFamily="34" charset="0"/>
-                <a:ea typeface="ＭＳ Ｐゴシック" pitchFamily="34" charset="-128"/>
-                <a:cs typeface="Arial" pitchFamily="34" charset="0"/>
-              </a:rPr>
-              <a:t/>
-            </a:r>
             <a:br>
-              <a:rPr lang="en-US" altLang="en-US" smtClean="0">
+              <a:rPr lang="en-US" altLang="en-US">
                 <a:latin typeface="Arial" pitchFamily="34" charset="0"/>
                 <a:ea typeface="ＭＳ Ｐゴシック" pitchFamily="34" charset="-128"/>
                 <a:cs typeface="Arial" pitchFamily="34" charset="0"/>
               </a:rPr>
             </a:br>
-            <a:endParaRPr lang="en-US" altLang="en-US" smtClean="0">
+            <a:endParaRPr lang="en-US" altLang="en-US">
               <a:latin typeface="Arial" pitchFamily="34" charset="0"/>
               <a:ea typeface="ＭＳ Ｐゴシック" pitchFamily="34" charset="-128"/>
               <a:cs typeface="Arial" pitchFamily="34" charset="0"/>
@@ -13450,13 +13250,6 @@
   <p:clrMapOvr>
     <a:masterClrMapping/>
   </p:clrMapOvr>
-  <p:timing>
-    <p:tnLst>
-      <p:par>
-        <p:cTn id="1" dur="indefinite" restart="never" nodeType="tmRoot"/>
-      </p:par>
-    </p:tnLst>
-  </p:timing>
 </p:sld>
 </file>
 
@@ -13636,7 +13429,7 @@
             <a:pPr eaLnBrk="1" hangingPunct="1">
               <a:defRPr/>
             </a:pPr>
-            <a:endParaRPr lang="en-US" altLang="en-US" smtClean="0">
+            <a:endParaRPr lang="en-US" altLang="en-US">
               <a:latin typeface="Arial" pitchFamily="34" charset="0"/>
               <a:ea typeface="ＭＳ Ｐゴシック" pitchFamily="34" charset="-128"/>
             </a:endParaRPr>
@@ -13817,13 +13610,6 @@
   <p:clrMapOvr>
     <a:masterClrMapping/>
   </p:clrMapOvr>
-  <p:timing>
-    <p:tnLst>
-      <p:par>
-        <p:cTn id="1" dur="indefinite" restart="never" nodeType="tmRoot"/>
-      </p:par>
-    </p:tnLst>
-  </p:timing>
 </p:sld>
 </file>
 
@@ -14283,13 +14069,6 @@
   <p:clrMapOvr>
     <a:masterClrMapping/>
   </p:clrMapOvr>
-  <p:timing>
-    <p:tnLst>
-      <p:par>
-        <p:cTn id="1" dur="indefinite" restart="never" nodeType="tmRoot"/>
-      </p:par>
-    </p:tnLst>
-  </p:timing>
 </p:sld>
 </file>
 
@@ -14591,13 +14370,6 @@
   <p:clrMapOvr>
     <a:masterClrMapping/>
   </p:clrMapOvr>
-  <p:timing>
-    <p:tnLst>
-      <p:par>
-        <p:cTn id="1" dur="indefinite" restart="never" nodeType="tmRoot"/>
-      </p:par>
-    </p:tnLst>
-  </p:timing>
 </p:sld>
 </file>
 
@@ -15785,13 +15557,6 @@
     <a:masterClrMapping/>
   </p:clrMapOvr>
   <p:transition/>
-  <p:timing>
-    <p:tnLst>
-      <p:par>
-        <p:cTn id="1" dur="indefinite" restart="never" nodeType="tmRoot"/>
-      </p:par>
-    </p:tnLst>
-  </p:timing>
 </p:sld>
 </file>
 
@@ -17961,8 +17726,8 @@
           </a:p>
         </p:txBody>
       </p:sp>
-      <mc:AlternateContent xmlns:mc="http://schemas.openxmlformats.org/markup-compatibility/2006">
-        <mc:Choice xmlns:a14="http://schemas.microsoft.com/office/drawing/2010/main" Requires="a14">
+      <mc:AlternateContent xmlns:mc="http://schemas.openxmlformats.org/markup-compatibility/2006" xmlns:a14="http://schemas.microsoft.com/office/drawing/2010/main">
+        <mc:Choice Requires="a14">
           <p:sp>
             <p:nvSpPr>
               <p:cNvPr id="20483" name="Rectangle 3"/>
@@ -17982,7 +17747,7 @@
                   <a:defRPr/>
                 </a:pPr>
                 <a:r>
-                  <a:rPr lang="en-GB" dirty="0" smtClean="0">
+                  <a:rPr lang="en-GB" dirty="0">
                     <a:cs typeface="+mn-cs"/>
                   </a:rPr>
                   <a:t>Trial-Observer                   </a:t>
@@ -17994,7 +17759,7 @@
                         <m:chr m:val="̂"/>
                         <m:ctrlPr>
                           <a:rPr lang="en-GB" sz="3600" i="1" smtClean="0">
-                            <a:latin typeface="Cambria Math" charset="0"/>
+                            <a:latin typeface="Cambria Math" panose="02040503050406030204" pitchFamily="18" charset="0"/>
                             <a:cs typeface="+mn-cs"/>
                           </a:rPr>
                         </m:ctrlPr>
@@ -18021,7 +17786,7 @@
                         <m:chr m:val="∑"/>
                         <m:ctrlPr>
                           <a:rPr lang="is-IS" sz="3600" b="0" i="1" smtClean="0">
-                            <a:latin typeface="Cambria Math" charset="0"/>
+                            <a:latin typeface="Cambria Math" panose="02040503050406030204" pitchFamily="18" charset="0"/>
                             <a:cs typeface="+mn-cs"/>
                           </a:rPr>
                         </m:ctrlPr>
@@ -18035,7 +17800,14 @@
                             <a:latin typeface="Cambria Math" charset="0"/>
                             <a:cs typeface="+mn-cs"/>
                           </a:rPr>
-                          <m:t>𝑠𝑒𝑒𝑛</m:t>
+                          <m:t>𝑠</m:t>
+                        </m:r>
+                        <m:r>
+                          <a:rPr lang="en-GB" sz="3600" b="0" i="1" smtClean="0">
+                            <a:latin typeface="Cambria Math" charset="0"/>
+                            <a:cs typeface="+mn-cs"/>
+                          </a:rPr>
+                          <m:t>𝑒𝑒𝑛</m:t>
                         </m:r>
                         <m:r>
                           <a:rPr lang="en-GB" sz="3600" b="0" i="1" smtClean="0">
@@ -18065,7 +17837,7 @@
                           <m:fPr>
                             <m:ctrlPr>
                               <a:rPr lang="bg-BG" sz="3600" b="0" i="1" smtClean="0">
-                                <a:latin typeface="Cambria Math" charset="0"/>
+                                <a:latin typeface="Cambria Math" panose="02040503050406030204" pitchFamily="18" charset="0"/>
                                 <a:cs typeface="+mn-cs"/>
                               </a:rPr>
                             </m:ctrlPr>
@@ -18085,7 +17857,7 @@
                                 <m:chr m:val="̂"/>
                                 <m:ctrlPr>
                                   <a:rPr lang="bg-BG" sz="3600" b="0" i="1" smtClean="0">
-                                    <a:latin typeface="Cambria Math" charset="0"/>
+                                    <a:latin typeface="Cambria Math" panose="02040503050406030204" pitchFamily="18" charset="0"/>
                                     <a:cs typeface="+mn-cs"/>
                                   </a:rPr>
                                 </m:ctrlPr>
@@ -18111,7 +17883,7 @@
                               <m:sSubPr>
                                 <m:ctrlPr>
                                   <a:rPr lang="en-US" sz="3600" b="0" i="1" smtClean="0">
-                                    <a:latin typeface="Cambria Math" charset="0"/>
+                                    <a:latin typeface="Cambria Math" panose="02040503050406030204" pitchFamily="18" charset="0"/>
                                     <a:cs typeface="+mn-cs"/>
                                   </a:rPr>
                                 </m:ctrlPr>
@@ -18176,13 +17948,7 @@
                   <a:rPr lang="en-GB" dirty="0">
                     <a:cs typeface="+mn-cs"/>
                   </a:rPr>
-                  <a:t>Independent </a:t>
-                </a:r>
-                <a:r>
-                  <a:rPr lang="en-GB" dirty="0" smtClean="0">
-                    <a:cs typeface="+mn-cs"/>
-                  </a:rPr>
-                  <a:t>Observer   </a:t>
+                  <a:t>Independent Observer   </a:t>
                 </a:r>
                 <a14:m>
                   <m:oMath xmlns:m="http://schemas.openxmlformats.org/officeDocument/2006/math">
@@ -18191,7 +17957,7 @@
                         <m:chr m:val="̂"/>
                         <m:ctrlPr>
                           <a:rPr lang="en-GB" sz="3600" i="1">
-                            <a:latin typeface="Cambria Math" charset="0"/>
+                            <a:latin typeface="Cambria Math" panose="02040503050406030204" pitchFamily="18" charset="0"/>
                           </a:rPr>
                         </m:ctrlPr>
                       </m:accPr>
@@ -18215,7 +17981,7 @@
                         <m:chr m:val="∑"/>
                         <m:ctrlPr>
                           <a:rPr lang="is-IS" sz="3600" i="1">
-                            <a:latin typeface="Cambria Math" charset="0"/>
+                            <a:latin typeface="Cambria Math" panose="02040503050406030204" pitchFamily="18" charset="0"/>
                           </a:rPr>
                         </m:ctrlPr>
                       </m:naryPr>
@@ -18242,7 +18008,7 @@
                           <m:fPr>
                             <m:ctrlPr>
                               <a:rPr lang="bg-BG" sz="3600" i="1">
-                                <a:latin typeface="Cambria Math" charset="0"/>
+                                <a:latin typeface="Cambria Math" panose="02040503050406030204" pitchFamily="18" charset="0"/>
                               </a:rPr>
                             </m:ctrlPr>
                           </m:fPr>
@@ -18260,7 +18026,7 @@
                                 <m:chr m:val="̂"/>
                                 <m:ctrlPr>
                                   <a:rPr lang="bg-BG" sz="3600" i="1">
-                                    <a:latin typeface="Cambria Math" charset="0"/>
+                                    <a:latin typeface="Cambria Math" panose="02040503050406030204" pitchFamily="18" charset="0"/>
                                   </a:rPr>
                                 </m:ctrlPr>
                               </m:accPr>
@@ -18283,7 +18049,7 @@
                               <m:sSubPr>
                                 <m:ctrlPr>
                                   <a:rPr lang="en-US" sz="3600" i="1">
-                                    <a:latin typeface="Cambria Math" charset="0"/>
+                                    <a:latin typeface="Cambria Math" panose="02040503050406030204" pitchFamily="18" charset="0"/>
                                   </a:rPr>
                                 </m:ctrlPr>
                               </m:sSubPr>
@@ -18323,7 +18089,7 @@
             </p:txBody>
           </p:sp>
         </mc:Choice>
-        <mc:Fallback>
+        <mc:Fallback xmlns="">
           <p:sp>
             <p:nvSpPr>
               <p:cNvPr id="20483" name="Rectangle 3"/>
@@ -18362,13 +18128,6 @@
   <p:clrMapOvr>
     <a:masterClrMapping/>
   </p:clrMapOvr>
-  <p:timing>
-    <p:tnLst>
-      <p:par>
-        <p:cTn id="1" dur="indefinite" restart="never" nodeType="tmRoot"/>
-      </p:par>
-    </p:tnLst>
-  </p:timing>
 </p:sld>
 </file>
 
@@ -18450,7 +18209,7 @@
               <a:defRPr/>
             </a:pPr>
             <a:r>
-              <a:rPr lang="en-GB" altLang="en-US" u="sng" dirty="0" smtClean="0">
+              <a:rPr lang="en-GB" altLang="en-US" u="sng" dirty="0">
                 <a:latin typeface="Arial" pitchFamily="34" charset="0"/>
                 <a:ea typeface="ＭＳ Ｐゴシック" pitchFamily="34" charset="-128"/>
                 <a:cs typeface="Arial" pitchFamily="34" charset="0"/>
@@ -18458,7 +18217,7 @@
               <a:t>Cue-based methods</a:t>
             </a:r>
             <a:r>
-              <a:rPr lang="en-GB" altLang="en-US" dirty="0" smtClean="0">
+              <a:rPr lang="en-GB" altLang="en-US" dirty="0">
                 <a:latin typeface="Arial" pitchFamily="34" charset="0"/>
                 <a:ea typeface="ＭＳ Ｐゴシック" pitchFamily="34" charset="-128"/>
                 <a:cs typeface="Arial" pitchFamily="34" charset="0"/>
@@ -18466,13 +18225,13 @@
               <a:t>:</a:t>
             </a:r>
             <a:r>
-              <a:rPr lang="en-US" altLang="en-US" dirty="0" smtClean="0">
+              <a:rPr lang="en-US" altLang="en-US" dirty="0">
                 <a:latin typeface="Arial" pitchFamily="34" charset="0"/>
                 <a:ea typeface="ＭＳ Ｐゴシック" pitchFamily="34" charset="-128"/>
               </a:rPr>
               <a:t> </a:t>
             </a:r>
-            <a:endParaRPr lang="en-GB" altLang="en-US" dirty="0" smtClean="0">
+            <a:endParaRPr lang="en-GB" altLang="en-US" dirty="0">
               <a:latin typeface="Arial" pitchFamily="34" charset="0"/>
               <a:ea typeface="ＭＳ Ｐゴシック" pitchFamily="34" charset="-128"/>
             </a:endParaRPr>
@@ -18541,7 +18300,7 @@
               <a:defRPr/>
             </a:pPr>
             <a:r>
-              <a:rPr lang="en-GB" altLang="en-US" u="sng" dirty="0" smtClean="0">
+              <a:rPr lang="en-GB" altLang="en-US" u="sng" dirty="0">
                 <a:latin typeface="Arial" pitchFamily="34" charset="0"/>
                 <a:ea typeface="ＭＳ Ｐゴシック" pitchFamily="34" charset="-128"/>
                 <a:cs typeface="Arial" pitchFamily="34" charset="0"/>
@@ -18549,14 +18308,14 @@
               <a:t>Animal-based methods</a:t>
             </a:r>
             <a:r>
-              <a:rPr lang="en-GB" altLang="en-US" dirty="0" smtClean="0">
+              <a:rPr lang="en-GB" altLang="en-US" dirty="0">
                 <a:latin typeface="Arial" pitchFamily="34" charset="0"/>
                 <a:ea typeface="ＭＳ Ｐゴシック" pitchFamily="34" charset="-128"/>
                 <a:cs typeface="Arial" pitchFamily="34" charset="0"/>
               </a:rPr>
               <a:t>: </a:t>
             </a:r>
-            <a:endParaRPr lang="en-US" altLang="en-US" dirty="0" smtClean="0">
+            <a:endParaRPr lang="en-US" altLang="en-US" dirty="0">
               <a:latin typeface="Arial" pitchFamily="34" charset="0"/>
               <a:ea typeface="ＭＳ Ｐゴシック" pitchFamily="34" charset="-128"/>
               <a:cs typeface="Arial" pitchFamily="34" charset="0"/>
@@ -18660,13 +18419,6 @@
   <p:clrMapOvr>
     <a:masterClrMapping/>
   </p:clrMapOvr>
-  <p:timing>
-    <p:tnLst>
-      <p:par>
-        <p:cTn id="1" dur="indefinite" restart="never" nodeType="tmRoot"/>
-      </p:par>
-    </p:tnLst>
-  </p:timing>
 </p:sld>
 </file>
 
@@ -18999,13 +18751,6 @@
   <p:clrMapOvr>
     <a:masterClrMapping/>
   </p:clrMapOvr>
-  <p:timing>
-    <p:tnLst>
-      <p:par>
-        <p:cTn id="1" dur="indefinite" restart="never" nodeType="tmRoot"/>
-      </p:par>
-    </p:tnLst>
-  </p:timing>
 </p:sld>
 </file>
 
@@ -19145,13 +18890,6 @@
   <p:clrMapOvr>
     <a:masterClrMapping/>
   </p:clrMapOvr>
-  <p:timing>
-    <p:tnLst>
-      <p:par>
-        <p:cTn id="1" dur="indefinite" restart="never" nodeType="tmRoot"/>
-      </p:par>
-    </p:tnLst>
-  </p:timing>
 </p:sld>
 </file>
 
@@ -25541,13 +25279,6 @@
   <p:clrMapOvr>
     <a:masterClrMapping/>
   </p:clrMapOvr>
-  <p:timing>
-    <p:tnLst>
-      <p:par>
-        <p:cTn id="1" dur="indefinite" restart="never" nodeType="tmRoot"/>
-      </p:par>
-    </p:tnLst>
-  </p:timing>
 </p:sld>
 </file>
 
@@ -42496,7 +42227,7 @@
           <a:graphicData uri="http://schemas.openxmlformats.org/presentationml/2006/ole">
             <mc:AlternateContent xmlns:mc="http://schemas.openxmlformats.org/markup-compatibility/2006">
               <mc:Choice xmlns:v="urn:schemas-microsoft-com:vml" Requires="v">
-                <p:oleObj spid="_x0000_s8219" name="Equation" r:id="rId3" imgW="1397000" imgH="647700" progId="Equation.3">
+                <p:oleObj spid="_x0000_s8222" name="Equation" r:id="rId3" imgW="1397000" imgH="647700" progId="Equation.3">
                   <p:embed/>
                 </p:oleObj>
               </mc:Choice>
@@ -42778,13 +42509,6 @@
   <p:transition>
     <p:dissolve/>
   </p:transition>
-  <p:timing>
-    <p:tnLst>
-      <p:par>
-        <p:cTn id="1" dur="indefinite" restart="never" nodeType="tmRoot"/>
-      </p:par>
-    </p:tnLst>
-  </p:timing>
 </p:sld>
 </file>
 
@@ -43558,7 +43282,7 @@
           <a:graphicData uri="http://schemas.openxmlformats.org/presentationml/2006/ole">
             <mc:AlternateContent xmlns:mc="http://schemas.openxmlformats.org/markup-compatibility/2006">
               <mc:Choice xmlns:v="urn:schemas-microsoft-com:vml" Requires="v">
-                <p:oleObj spid="_x0000_s9304" name="Equation" r:id="rId4" imgW="139700" imgH="203200" progId="Equation.3">
+                <p:oleObj spid="_x0000_s20496" name="Equation" r:id="rId4" imgW="139700" imgH="203200" progId="Equation.3">
                   <p:embed/>
                 </p:oleObj>
               </mc:Choice>
@@ -43567,7 +43291,7 @@
                   <p:embed/>
                   <p:pic>
                     <p:nvPicPr>
-                      <p:cNvPr id="0" name="Object 4"/>
+                      <p:cNvPr id="9227" name="Object 4"/>
                       <p:cNvPicPr>
                         <a:picLocks noChangeAspect="1" noChangeArrowheads="1"/>
                       </p:cNvPicPr>
@@ -43641,7 +43365,7 @@
           <a:graphicData uri="http://schemas.openxmlformats.org/presentationml/2006/ole">
             <mc:AlternateContent xmlns:mc="http://schemas.openxmlformats.org/markup-compatibility/2006">
               <mc:Choice xmlns:v="urn:schemas-microsoft-com:vml" Requires="v">
-                <p:oleObj spid="_x0000_s9305" name="Equation" r:id="rId6" imgW="215900" imgH="254000" progId="Equation.3">
+                <p:oleObj spid="_x0000_s20497" name="Equation" r:id="rId6" imgW="215900" imgH="254000" progId="Equation.3">
                   <p:embed/>
                 </p:oleObj>
               </mc:Choice>
@@ -43650,7 +43374,7 @@
                   <p:embed/>
                   <p:pic>
                     <p:nvPicPr>
-                      <p:cNvPr id="0" name="Object 13"/>
+                      <p:cNvPr id="9228" name="Object 13"/>
                       <p:cNvPicPr>
                         <a:picLocks noChangeAspect="1" noChangeArrowheads="1"/>
                       </p:cNvPicPr>
@@ -43724,7 +43448,7 @@
           <a:graphicData uri="http://schemas.openxmlformats.org/presentationml/2006/ole">
             <mc:AlternateContent xmlns:mc="http://schemas.openxmlformats.org/markup-compatibility/2006">
               <mc:Choice xmlns:v="urn:schemas-microsoft-com:vml" Requires="v">
-                <p:oleObj spid="_x0000_s9306" name="Equation" r:id="rId8" imgW="558800" imgH="254000" progId="Equation.3">
+                <p:oleObj spid="_x0000_s20498" name="Equation" r:id="rId8" imgW="558800" imgH="254000" progId="Equation.3">
                   <p:embed/>
                 </p:oleObj>
               </mc:Choice>
@@ -43733,7 +43457,7 @@
                   <p:embed/>
                   <p:pic>
                     <p:nvPicPr>
-                      <p:cNvPr id="0" name="Object 14"/>
+                      <p:cNvPr id="9229" name="Object 14"/>
                       <p:cNvPicPr>
                         <a:picLocks noChangeAspect="1" noChangeArrowheads="1"/>
                       </p:cNvPicPr>
@@ -44434,7 +44158,7 @@
           <a:graphicData uri="http://schemas.openxmlformats.org/presentationml/2006/ole">
             <mc:AlternateContent xmlns:mc="http://schemas.openxmlformats.org/markup-compatibility/2006">
               <mc:Choice xmlns:v="urn:schemas-microsoft-com:vml" Requires="v">
-                <p:oleObj spid="_x0000_s9307" name="Equation" r:id="rId10" imgW="177800" imgH="203200" progId="Equation.3">
+                <p:oleObj spid="_x0000_s20499" name="Equation" r:id="rId10" imgW="177800" imgH="203200" progId="Equation.3">
                   <p:embed/>
                 </p:oleObj>
               </mc:Choice>
@@ -44443,7 +44167,7 @@
                   <p:embed/>
                   <p:pic>
                     <p:nvPicPr>
-                      <p:cNvPr id="0" name="Object 25"/>
+                      <p:cNvPr id="9231" name="Object 25"/>
                       <p:cNvPicPr>
                         <a:picLocks noChangeAspect="1" noChangeArrowheads="1"/>
                       </p:cNvPicPr>
@@ -44517,7 +44241,7 @@
           <a:graphicData uri="http://schemas.openxmlformats.org/presentationml/2006/ole">
             <mc:AlternateContent xmlns:mc="http://schemas.openxmlformats.org/markup-compatibility/2006">
               <mc:Choice xmlns:v="urn:schemas-microsoft-com:vml" Requires="v">
-                <p:oleObj spid="_x0000_s9308" name="Equation" r:id="rId12" imgW="152400" imgH="203200" progId="Equation.3">
+                <p:oleObj spid="_x0000_s20500" name="Equation" r:id="rId12" imgW="152400" imgH="203200" progId="Equation.3">
                   <p:embed/>
                 </p:oleObj>
               </mc:Choice>
@@ -44526,7 +44250,7 @@
                   <p:embed/>
                   <p:pic>
                     <p:nvPicPr>
-                      <p:cNvPr id="0" name="Object 26"/>
+                      <p:cNvPr id="9232" name="Object 26"/>
                       <p:cNvPicPr>
                         <a:picLocks noChangeAspect="1" noChangeArrowheads="1"/>
                       </p:cNvPicPr>
@@ -45410,7 +45134,7 @@
           <a:graphicData uri="http://schemas.openxmlformats.org/presentationml/2006/ole">
             <mc:AlternateContent xmlns:mc="http://schemas.openxmlformats.org/markup-compatibility/2006">
               <mc:Choice xmlns:v="urn:schemas-microsoft-com:vml" Requires="v">
-                <p:oleObj spid="_x0000_s9309" name="Equation" r:id="rId14" imgW="1765300" imgH="431800" progId="Equation.3">
+                <p:oleObj spid="_x0000_s20501" name="Equation" r:id="rId14" imgW="1765300" imgH="431800" progId="Equation.3">
                   <p:embed/>
                 </p:oleObj>
               </mc:Choice>
@@ -45419,7 +45143,7 @@
                   <p:embed/>
                   <p:pic>
                     <p:nvPicPr>
-                      <p:cNvPr id="0" name="Object 35"/>
+                      <p:cNvPr id="36" name="Object 35"/>
                       <p:cNvPicPr>
                         <a:picLocks noChangeAspect="1" noChangeArrowheads="1"/>
                       </p:cNvPicPr>
@@ -45493,7 +45217,7 @@
           <a:graphicData uri="http://schemas.openxmlformats.org/presentationml/2006/ole">
             <mc:AlternateContent xmlns:mc="http://schemas.openxmlformats.org/markup-compatibility/2006">
               <mc:Choice xmlns:v="urn:schemas-microsoft-com:vml" Requires="v">
-                <p:oleObj spid="_x0000_s9310" name="Equation" r:id="rId16" imgW="609600" imgH="228600" progId="Equation.3">
+                <p:oleObj spid="_x0000_s20502" name="Equation" r:id="rId16" imgW="609600" imgH="228600" progId="Equation.3">
                   <p:embed/>
                 </p:oleObj>
               </mc:Choice>
@@ -45502,7 +45226,7 @@
                   <p:embed/>
                   <p:pic>
                     <p:nvPicPr>
-                      <p:cNvPr id="0" name="Object 36"/>
+                      <p:cNvPr id="37" name="Object 36"/>
                       <p:cNvPicPr>
                         <a:picLocks noChangeAspect="1" noChangeArrowheads="1"/>
                       </p:cNvPicPr>
@@ -45978,6 +45702,11 @@
         </p:txBody>
       </p:sp>
     </p:spTree>
+    <p:extLst>
+      <p:ext uri="{BB962C8B-B14F-4D97-AF65-F5344CB8AC3E}">
+        <p14:creationId xmlns:p14="http://schemas.microsoft.com/office/powerpoint/2010/main" val="4251377436"/>
+      </p:ext>
+    </p:extLst>
   </p:cSld>
   <p:clrMapOvr>
     <a:masterClrMapping/>
@@ -47038,13 +46767,6 @@
   <p:clrMapOvr>
     <a:masterClrMapping/>
   </p:clrMapOvr>
-  <p:timing>
-    <p:tnLst>
-      <p:par>
-        <p:cTn id="1" dur="indefinite" restart="never" nodeType="tmRoot"/>
-      </p:par>
-    </p:tnLst>
-  </p:timing>
 </p:sld>
 </file>
 
